--- a/database/slides/YOU_SHALL_GO_OUT_WITH_JOY.pptx
+++ b/database/slides/YOU_SHALL_GO_OUT_WITH_JOY.pptx
@@ -925,7 +925,7 @@
     </p:spTree>
     <p:extLst>
       <p:ext uri="{BB962C8B-B14F-4D97-AF65-F5344CB8AC3E}">
-        <p14:creationId xmlns:p14="http://schemas.microsoft.com/office/powerpoint/2010/main" val="3123908882"/>
+        <p14:creationId xmlns:p14="http://schemas.microsoft.com/office/powerpoint/2010/main" val="598555220"/>
       </p:ext>
     </p:extLst>
   </p:cSld>
@@ -1034,7 +1034,7 @@
     </p:spTree>
     <p:extLst>
       <p:ext uri="{BB962C8B-B14F-4D97-AF65-F5344CB8AC3E}">
-        <p14:creationId xmlns:p14="http://schemas.microsoft.com/office/powerpoint/2010/main" val="3124398786"/>
+        <p14:creationId xmlns:p14="http://schemas.microsoft.com/office/powerpoint/2010/main" val="1253894789"/>
       </p:ext>
     </p:extLst>
   </p:cSld>
@@ -15672,7 +15672,7 @@
           <a:p>
             <a:pPr marL="171450" algn="l"/>
             <a:r>
-              <a:rPr lang="en-GB" sz="3200" b="1" u="sng" dirty="0">
+              <a:rPr lang="en-GB" sz="3000" b="1" u="sng" dirty="0">
                 <a:solidFill>
                   <a:schemeClr val="bg1"/>
                 </a:solidFill>
@@ -15784,16 +15784,20 @@
               </a:rPr>
               <a:t>The mountains and the hills will break forth before you.</a:t>
             </a:r>
-            <a:br>
-              <a:rPr lang="en-GB" sz="3300" b="1" i="1" dirty="0">
-                <a:solidFill>
-                  <a:schemeClr val="bg1"/>
-                </a:solidFill>
-                <a:latin typeface="Calibri" panose="020F0502020204030204" pitchFamily="34" charset="0"/>
-                <a:ea typeface="Calibri" panose="020F0502020204030204" pitchFamily="34" charset="0"/>
-                <a:cs typeface="Calibri" panose="020F0502020204030204" pitchFamily="34" charset="0"/>
-              </a:rPr>
-            </a:br>
+          </a:p>
+          <a:p>
+            <a:pPr marL="114300" indent="0">
+              <a:lnSpc>
+                <a:spcPct val="100000"/>
+              </a:lnSpc>
+              <a:spcBef>
+                <a:spcPct val="0"/>
+              </a:spcBef>
+              <a:spcAft>
+                <a:spcPct val="0"/>
+              </a:spcAft>
+              <a:buNone/>
+            </a:pPr>
             <a:r>
               <a:rPr lang="en-GB" sz="3300" b="1" i="1" dirty="0">
                 <a:solidFill>
@@ -15950,14 +15954,20 @@
                 <a:ea typeface="Calibri" panose="020F0502020204030204" pitchFamily="34" charset="0"/>
                 <a:cs typeface="Calibri" panose="020F0502020204030204" pitchFamily="34" charset="0"/>
               </a:rPr>
-              <a:t>While you go out with joy</a:t>
+              <a:t>While you go out with joy.</a:t>
             </a:r>
           </a:p>
         </p:txBody>
       </p:sp>
       <p:sp>
         <p:nvSpPr>
-          <p:cNvPr id="131" name="Google Shape;131;p25"/>
+          <p:cNvPr id="2" name="Google Shape;131;p25">
+            <a:extLst>
+              <a:ext uri="{FF2B5EF4-FFF2-40B4-BE49-F238E27FC236}">
+                <a16:creationId xmlns:a16="http://schemas.microsoft.com/office/drawing/2014/main" id="{9C3E2805-8386-E05F-0FB1-1D7DCED0BCFA}"/>
+              </a:ext>
+            </a:extLst>
+          </p:cNvPr>
           <p:cNvSpPr txBox="1"/>
           <p:nvPr/>
         </p:nvSpPr>
@@ -15980,11 +15990,19 @@
           </a:bodyPr>
           <a:lstStyle/>
           <a:p>
-            <a:pPr>
+            <a:pPr marL="0" lvl="0" indent="0" algn="l" rtl="0">
+              <a:spcBef>
+                <a:spcPts val="0"/>
+              </a:spcBef>
+              <a:spcAft>
+                <a:spcPts val="0"/>
+              </a:spcAft>
               <a:buClr>
                 <a:schemeClr val="lt1"/>
               </a:buClr>
               <a:buSzPts val="3200"/>
+              <a:buFont typeface="Arial"/>
+              <a:buNone/>
             </a:pPr>
             <a:r>
               <a:rPr lang="en-GB" sz="3600" b="1" i="1" dirty="0">
@@ -15998,7 +16016,7 @@
               </a:rPr>
               <a:t>contd..</a:t>
             </a:r>
-            <a:endParaRPr lang="en-GB" sz="3600" dirty="0">
+            <a:endParaRPr sz="3600" dirty="0">
               <a:latin typeface="Calibri"/>
               <a:ea typeface="Calibri"/>
               <a:cs typeface="Calibri"/>
@@ -16076,7 +16094,7 @@
           <a:p>
             <a:pPr marL="171450" algn="l"/>
             <a:r>
-              <a:rPr lang="en-GB" sz="3200" b="1" u="sng" dirty="0">
+              <a:rPr lang="en-GB" sz="3000" b="1" u="sng" dirty="0">
                 <a:solidFill>
                   <a:schemeClr val="bg1"/>
                 </a:solidFill>
@@ -16188,16 +16206,20 @@
               </a:rPr>
               <a:t>The mountains and the hills will break forth before you.</a:t>
             </a:r>
-            <a:br>
-              <a:rPr lang="en-GB" sz="3300" b="1" i="1" dirty="0">
-                <a:solidFill>
-                  <a:schemeClr val="bg1"/>
-                </a:solidFill>
-                <a:latin typeface="Calibri" panose="020F0502020204030204" pitchFamily="34" charset="0"/>
-                <a:ea typeface="Calibri" panose="020F0502020204030204" pitchFamily="34" charset="0"/>
-                <a:cs typeface="Calibri" panose="020F0502020204030204" pitchFamily="34" charset="0"/>
-              </a:rPr>
-            </a:br>
+          </a:p>
+          <a:p>
+            <a:pPr marL="114300" indent="0">
+              <a:lnSpc>
+                <a:spcPct val="100000"/>
+              </a:lnSpc>
+              <a:spcBef>
+                <a:spcPct val="0"/>
+              </a:spcBef>
+              <a:spcAft>
+                <a:spcPct val="0"/>
+              </a:spcAft>
+              <a:buNone/>
+            </a:pPr>
             <a:r>
               <a:rPr lang="en-GB" sz="3300" b="1" i="1" dirty="0">
                 <a:solidFill>
@@ -16354,14 +16376,20 @@
                 <a:ea typeface="Calibri" panose="020F0502020204030204" pitchFamily="34" charset="0"/>
                 <a:cs typeface="Calibri" panose="020F0502020204030204" pitchFamily="34" charset="0"/>
               </a:rPr>
-              <a:t>While you go out with joy</a:t>
+              <a:t>While you go out with joy.</a:t>
             </a:r>
           </a:p>
         </p:txBody>
       </p:sp>
       <p:sp>
         <p:nvSpPr>
-          <p:cNvPr id="131" name="Google Shape;131;p25"/>
+          <p:cNvPr id="2" name="Google Shape;131;p25">
+            <a:extLst>
+              <a:ext uri="{FF2B5EF4-FFF2-40B4-BE49-F238E27FC236}">
+                <a16:creationId xmlns:a16="http://schemas.microsoft.com/office/drawing/2014/main" id="{9C3E2805-8386-E05F-0FB1-1D7DCED0BCFA}"/>
+              </a:ext>
+            </a:extLst>
+          </p:cNvPr>
           <p:cNvSpPr txBox="1"/>
           <p:nvPr/>
         </p:nvSpPr>
@@ -16384,11 +16412,19 @@
           </a:bodyPr>
           <a:lstStyle/>
           <a:p>
-            <a:pPr>
+            <a:pPr marL="0" lvl="0" indent="0" algn="l" rtl="0">
+              <a:spcBef>
+                <a:spcPts val="0"/>
+              </a:spcBef>
+              <a:spcAft>
+                <a:spcPts val="0"/>
+              </a:spcAft>
               <a:buClr>
                 <a:schemeClr val="lt1"/>
               </a:buClr>
               <a:buSzPts val="3200"/>
+              <a:buFont typeface="Arial"/>
+              <a:buNone/>
             </a:pPr>
             <a:r>
               <a:rPr lang="en-GB" sz="3600" b="1" i="1" dirty="0">
@@ -16402,7 +16438,7 @@
               </a:rPr>
               <a:t>contd..</a:t>
             </a:r>
-            <a:endParaRPr lang="en-GB" sz="3600" dirty="0">
+            <a:endParaRPr sz="3600" dirty="0">
               <a:latin typeface="Calibri"/>
               <a:ea typeface="Calibri"/>
               <a:cs typeface="Calibri"/>
@@ -16414,7 +16450,7 @@
     </p:spTree>
     <p:extLst>
       <p:ext uri="{BB962C8B-B14F-4D97-AF65-F5344CB8AC3E}">
-        <p14:creationId xmlns:p14="http://schemas.microsoft.com/office/powerpoint/2010/main" val="4071191901"/>
+        <p14:creationId xmlns:p14="http://schemas.microsoft.com/office/powerpoint/2010/main" val="1813678485"/>
       </p:ext>
     </p:extLst>
   </p:cSld>
@@ -16480,7 +16516,7 @@
           <a:p>
             <a:pPr marL="171450" algn="l"/>
             <a:r>
-              <a:rPr lang="en-GB" sz="3200" b="1" u="sng" dirty="0">
+              <a:rPr lang="en-GB" sz="3000" b="1" u="sng" dirty="0">
                 <a:solidFill>
                   <a:schemeClr val="bg1"/>
                 </a:solidFill>
@@ -16592,16 +16628,20 @@
               </a:rPr>
               <a:t>The mountains and the hills will break forth before you.</a:t>
             </a:r>
-            <a:br>
-              <a:rPr lang="en-GB" sz="3300" b="1" i="1" dirty="0">
-                <a:solidFill>
-                  <a:schemeClr val="bg1"/>
-                </a:solidFill>
-                <a:latin typeface="Calibri" panose="020F0502020204030204" pitchFamily="34" charset="0"/>
-                <a:ea typeface="Calibri" panose="020F0502020204030204" pitchFamily="34" charset="0"/>
-                <a:cs typeface="Calibri" panose="020F0502020204030204" pitchFamily="34" charset="0"/>
-              </a:rPr>
-            </a:br>
+          </a:p>
+          <a:p>
+            <a:pPr marL="114300" indent="0">
+              <a:lnSpc>
+                <a:spcPct val="100000"/>
+              </a:lnSpc>
+              <a:spcBef>
+                <a:spcPct val="0"/>
+              </a:spcBef>
+              <a:spcAft>
+                <a:spcPct val="0"/>
+              </a:spcAft>
+              <a:buNone/>
+            </a:pPr>
             <a:r>
               <a:rPr lang="en-GB" sz="3300" b="1" i="1" dirty="0">
                 <a:solidFill>
@@ -16733,7 +16773,7 @@
                 <a:ea typeface="Calibri" panose="020F0502020204030204" pitchFamily="34" charset="0"/>
                 <a:cs typeface="Calibri" panose="020F0502020204030204" pitchFamily="34" charset="0"/>
               </a:rPr>
-              <a:t>Angels of heaven will flap their wings (2)</a:t>
+              <a:t>angels of heaven will flap their wings (2)</a:t>
             </a:r>
           </a:p>
           <a:p>
@@ -16758,14 +16798,20 @@
                 <a:ea typeface="Calibri" panose="020F0502020204030204" pitchFamily="34" charset="0"/>
                 <a:cs typeface="Calibri" panose="020F0502020204030204" pitchFamily="34" charset="0"/>
               </a:rPr>
-              <a:t>While you go out with joy</a:t>
+              <a:t>While you go out with joy.</a:t>
             </a:r>
           </a:p>
         </p:txBody>
       </p:sp>
       <p:sp>
         <p:nvSpPr>
-          <p:cNvPr id="131" name="Google Shape;131;p25"/>
+          <p:cNvPr id="2" name="Google Shape;131;p25">
+            <a:extLst>
+              <a:ext uri="{FF2B5EF4-FFF2-40B4-BE49-F238E27FC236}">
+                <a16:creationId xmlns:a16="http://schemas.microsoft.com/office/drawing/2014/main" id="{9C3E2805-8386-E05F-0FB1-1D7DCED0BCFA}"/>
+              </a:ext>
+            </a:extLst>
+          </p:cNvPr>
           <p:cNvSpPr txBox="1"/>
           <p:nvPr/>
         </p:nvSpPr>
@@ -16788,13 +16834,21 @@
           </a:bodyPr>
           <a:lstStyle/>
           <a:p>
-            <a:pPr>
+            <a:pPr marL="0" lvl="0" indent="0" algn="l" rtl="0">
+              <a:spcBef>
+                <a:spcPts val="0"/>
+              </a:spcBef>
+              <a:spcAft>
+                <a:spcPts val="0"/>
+              </a:spcAft>
               <a:buClr>
                 <a:schemeClr val="lt1"/>
               </a:buClr>
               <a:buSzPts val="3200"/>
+              <a:buFont typeface="Arial"/>
+              <a:buNone/>
             </a:pPr>
-            <a:endParaRPr lang="en-GB" sz="3600" dirty="0">
+            <a:endParaRPr sz="3600" dirty="0">
               <a:latin typeface="Calibri"/>
               <a:ea typeface="Calibri"/>
               <a:cs typeface="Calibri"/>
@@ -16806,7 +16860,7 @@
     </p:spTree>
     <p:extLst>
       <p:ext uri="{BB962C8B-B14F-4D97-AF65-F5344CB8AC3E}">
-        <p14:creationId xmlns:p14="http://schemas.microsoft.com/office/powerpoint/2010/main" val="3916184372"/>
+        <p14:creationId xmlns:p14="http://schemas.microsoft.com/office/powerpoint/2010/main" val="3268250811"/>
       </p:ext>
     </p:extLst>
   </p:cSld>

--- a/database/slides/YOU_SHALL_GO_OUT_WITH_JOY.pptx
+++ b/database/slides/YOU_SHALL_GO_OUT_WITH_JOY.pptx
@@ -15961,10 +15961,10 @@
       </p:sp>
       <p:sp>
         <p:nvSpPr>
-          <p:cNvPr id="2" name="Google Shape;131;p25">
+          <p:cNvPr id="4" name="Google Shape;131;p25">
             <a:extLst>
               <a:ext uri="{FF2B5EF4-FFF2-40B4-BE49-F238E27FC236}">
-                <a16:creationId xmlns:a16="http://schemas.microsoft.com/office/drawing/2014/main" id="{9C3E2805-8386-E05F-0FB1-1D7DCED0BCFA}"/>
+                <a16:creationId xmlns:a16="http://schemas.microsoft.com/office/drawing/2014/main" id="{20353541-310C-21AB-1C8F-0C5464A419DC}"/>
               </a:ext>
             </a:extLst>
           </p:cNvPr>
@@ -16383,10 +16383,10 @@
       </p:sp>
       <p:sp>
         <p:nvSpPr>
-          <p:cNvPr id="2" name="Google Shape;131;p25">
+          <p:cNvPr id="3" name="Google Shape;131;p25">
             <a:extLst>
               <a:ext uri="{FF2B5EF4-FFF2-40B4-BE49-F238E27FC236}">
-                <a16:creationId xmlns:a16="http://schemas.microsoft.com/office/drawing/2014/main" id="{9C3E2805-8386-E05F-0FB1-1D7DCED0BCFA}"/>
+                <a16:creationId xmlns:a16="http://schemas.microsoft.com/office/drawing/2014/main" id="{614747AD-9895-1FDF-3727-125B700DE80A}"/>
               </a:ext>
             </a:extLst>
           </p:cNvPr>
